--- a/AGENDACURSO.pptx
+++ b/AGENDACURSO.pptx
@@ -110,6 +110,11 @@
       </a:defRPr>
     </a:lvl9pPr>
   </p:defaultTextStyle>
+  <p:extLst>
+    <p:ext uri="{EFAFB233-063F-42B5-8137-9DF3F51BA10A}">
+      <p15:sldGuideLst xmlns:p15="http://schemas.microsoft.com/office/powerpoint/2012/main"/>
+    </p:ext>
+  </p:extLst>
 </p:presentation>
 </file>
 
@@ -5214,7 +5219,7 @@
         </p:nvSpPr>
         <p:spPr>
           <a:xfrm>
-            <a:off x="285750" y="177285"/>
+            <a:off x="594432" y="0"/>
             <a:ext cx="9877912" cy="1107996"/>
           </a:xfrm>
           <a:prstGeom prst="rect">
@@ -5241,7 +5246,7 @@
               <a:buNone/>
             </a:pPr>
             <a:r>
-              <a:rPr lang="es-ES" sz="6000" b="1" dirty="0">
+              <a:rPr lang="es-ES" sz="4800" b="1" dirty="0">
                 <a:solidFill>
                   <a:schemeClr val="lt1"/>
                 </a:solidFill>
@@ -5250,10 +5255,21 @@
                 <a:cs typeface="Calibri"/>
                 <a:sym typeface="Calibri"/>
               </a:rPr>
-              <a:t>AGENDA DE LA </a:t>
-            </a:r>
-            <a:r>
-              <a:rPr lang="es-ES" sz="6000" b="1" dirty="0" err="1">
+              <a:t>AGENDA DE LA CAPACITACIÓN</a:t>
+            </a:r>
+          </a:p>
+          <a:p>
+            <a:pPr marL="0" marR="0" lvl="0" indent="0" algn="ctr" rtl="0">
+              <a:spcBef>
+                <a:spcPts val="0"/>
+              </a:spcBef>
+              <a:spcAft>
+                <a:spcPts val="0"/>
+              </a:spcAft>
+              <a:buNone/>
+            </a:pPr>
+            <a:r>
+              <a:rPr lang="es-ES" sz="4800" b="1" dirty="0">
                 <a:solidFill>
                   <a:schemeClr val="lt1"/>
                 </a:solidFill>
@@ -5262,9 +5278,9 @@
                 <a:cs typeface="Calibri"/>
                 <a:sym typeface="Calibri"/>
               </a:rPr>
-              <a:t>CAPACITACION</a:t>
-            </a:r>
-            <a:endParaRPr sz="6000" b="1" dirty="0">
+              <a:t>Semana No 1</a:t>
+            </a:r>
+            <a:endParaRPr sz="4800" b="1" dirty="0">
               <a:solidFill>
                 <a:schemeClr val="lt1"/>
               </a:solidFill>
